--- a/Clase15_Migración_Angular17/Módulo 4.8_Migración_Angular17.pptx
+++ b/Clase15_Migración_Angular17/Módulo 4.8_Migración_Angular17.pptx
@@ -5589,8 +5589,13 @@
           <a:p>
             <a:r>
               <a:rPr lang="es-ES" dirty="0"/>
-              <a:t>ng g @angular/core:control-Flow</a:t>
-            </a:r>
+              <a:t>ng g @angular/core</a:t>
+            </a:r>
+            <a:r>
+              <a:rPr lang="es-ES"/>
+              <a:t>:control-flow</a:t>
+            </a:r>
+            <a:endParaRPr lang="es-ES" dirty="0"/>
           </a:p>
         </p:txBody>
       </p:sp>
